--- a/Kmiec_Silvestri_Roybal_Poster_Predictive_Information.pptx
+++ b/Kmiec_Silvestri_Roybal_Poster_Predictive_Information.pptx
@@ -3611,7 +3611,7 @@
         </p:nvSpPr>
         <p:spPr>
           <a:xfrm>
-            <a:off x="9303703" y="3813682"/>
+            <a:off x="9303703" y="2438400"/>
             <a:ext cx="14230443" cy="8217634"/>
           </a:xfrm>
           <a:prstGeom prst="rect">
@@ -3777,7 +3777,7 @@
         </p:nvSpPr>
         <p:spPr>
           <a:xfrm>
-            <a:off x="498764" y="997527"/>
+            <a:off x="498764" y="667041"/>
             <a:ext cx="6650182" cy="4832092"/>
           </a:xfrm>
           <a:prstGeom prst="rect">
@@ -3820,7 +3820,7 @@
         </p:nvSpPr>
         <p:spPr>
           <a:xfrm>
-            <a:off x="498763" y="6031825"/>
+            <a:off x="498763" y="5814702"/>
             <a:ext cx="6234545" cy="1569660"/>
           </a:xfrm>
           <a:prstGeom prst="rect">
@@ -3954,8 +3954,8 @@
         </p:nvGrpSpPr>
         <p:grpSpPr bwMode="auto">
           <a:xfrm>
-            <a:off x="25177112" y="2819400"/>
-            <a:ext cx="7088543" cy="8575164"/>
+            <a:off x="25177112" y="3150730"/>
+            <a:ext cx="7088543" cy="8575163"/>
             <a:chOff x="416" y="2807"/>
             <a:chExt cx="4093" cy="4355"/>
           </a:xfrm>
@@ -4121,16 +4121,10 @@
                 <a:defRPr/>
               </a:pPr>
               <a:r>
-                <a:rPr lang="en-US" sz="2800" dirty="0">
-                  <a:latin typeface="+mn-lt"/>
-                </a:rPr>
-                <a:t>F</a:t>
-              </a:r>
-              <a:r>
                 <a:rPr lang="en-US" sz="2800" dirty="0" smtClean="0">
                   <a:latin typeface="+mn-lt"/>
                 </a:rPr>
-                <a:t>our </a:t>
+                <a:t>Four </a:t>
               </a:r>
               <a:r>
                 <a:rPr lang="en-US" sz="2800" dirty="0">
@@ -4312,10 +4306,7 @@
                 </a:rPr>
                 <a:t>relevance and potential utility of a CDS system. </a:t>
               </a:r>
-              <a:endParaRPr lang="en-US" sz="2800" kern="0" dirty="0">
-                <a:solidFill>
-                  <a:srgbClr val="000000"/>
-                </a:solidFill>
+              <a:endParaRPr lang="en-US" sz="2800" dirty="0" smtClean="0">
                 <a:latin typeface="+mn-lt"/>
               </a:endParaRPr>
             </a:p>
@@ -4582,8 +4573,8 @@
         </p:nvSpPr>
         <p:spPr bwMode="auto">
           <a:xfrm>
-            <a:off x="25162120" y="12929383"/>
-            <a:ext cx="6997195" cy="531543"/>
+            <a:off x="25162120" y="13775867"/>
+            <a:ext cx="6997195" cy="6820444"/>
           </a:xfrm>
           <a:prstGeom prst="rect">
             <a:avLst/>
@@ -4730,22 +4721,153 @@
               <a:defRPr/>
             </a:pPr>
             <a:r>
-              <a:rPr lang="en-US" sz="2800" kern="0" dirty="0" smtClean="0">
-                <a:solidFill>
-                  <a:srgbClr val="000000"/>
-                </a:solidFill>
+              <a:rPr lang="en-US" sz="2800" dirty="0">
                 <a:latin typeface="+mn-lt"/>
               </a:rPr>
-              <a:t>P</a:t>
-            </a:r>
-            <a:r>
-              <a:rPr lang="en-US" sz="2800" kern="0" dirty="0" smtClean="0">
-                <a:solidFill>
-                  <a:srgbClr val="000000"/>
-                </a:solidFill>
+              <a:t>Opportunities exist for sepsis CDS systems </a:t>
+            </a:r>
+            <a:r>
+              <a:rPr lang="en-US" sz="2800" dirty="0" smtClean="0">
                 <a:latin typeface="+mn-lt"/>
               </a:rPr>
-              <a:t>hysicians, APPs and nurses </a:t>
+              <a:t>to </a:t>
+            </a:r>
+            <a:r>
+              <a:rPr lang="en-US" sz="2800" dirty="0">
+                <a:latin typeface="+mn-lt"/>
+              </a:rPr>
+              <a:t>improve diagnosis and treatment decisions </a:t>
+            </a:r>
+            <a:r>
+              <a:rPr lang="en-US" sz="2800" dirty="0" smtClean="0">
+                <a:latin typeface="+mn-lt"/>
+              </a:rPr>
+              <a:t>and to </a:t>
+            </a:r>
+            <a:r>
+              <a:rPr lang="en-US" sz="2800" dirty="0">
+                <a:latin typeface="+mn-lt"/>
+              </a:rPr>
+              <a:t>facilitate communication in a multidisciplinary team setting</a:t>
+            </a:r>
+            <a:endParaRPr lang="en-US" sz="2800" dirty="0" smtClean="0">
+              <a:latin typeface="+mn-lt"/>
+            </a:endParaRPr>
+          </a:p>
+          <a:p>
+            <a:pPr marL="342900" indent="-342900" defTabSz="914400">
+              <a:spcBef>
+                <a:spcPts val="500"/>
+              </a:spcBef>
+              <a:spcAft>
+                <a:spcPts val="500"/>
+              </a:spcAft>
+              <a:buClr>
+                <a:srgbClr val="2F4489"/>
+              </a:buClr>
+              <a:buFont typeface="Wingdings" panose="05000000000000000000" pitchFamily="2" charset="2"/>
+              <a:buChar char="Ø"/>
+              <a:defRPr/>
+            </a:pPr>
+            <a:r>
+              <a:rPr lang="en-US" sz="2800" dirty="0" smtClean="0">
+                <a:latin typeface="+mn-lt"/>
+              </a:rPr>
+              <a:t>Eliciting </a:t>
+            </a:r>
+            <a:r>
+              <a:rPr lang="en-US" sz="2800" dirty="0">
+                <a:latin typeface="+mn-lt"/>
+              </a:rPr>
+              <a:t>stakeholder feedback and identifying preferences for predictive alerts prior to model development </a:t>
+            </a:r>
+            <a:r>
+              <a:rPr lang="en-US" sz="2800" dirty="0" smtClean="0">
+                <a:latin typeface="+mn-lt"/>
+              </a:rPr>
+              <a:t>provide </a:t>
+            </a:r>
+            <a:r>
+              <a:rPr lang="en-US" sz="2800" dirty="0">
+                <a:latin typeface="+mn-lt"/>
+              </a:rPr>
+              <a:t>specific insights into improving the acceptability of a future sepsis CDS </a:t>
+            </a:r>
+            <a:r>
+              <a:rPr lang="en-US" sz="2800" dirty="0" smtClean="0">
+                <a:latin typeface="+mn-lt"/>
+              </a:rPr>
+              <a:t>alert</a:t>
+            </a:r>
+          </a:p>
+          <a:p>
+            <a:pPr marL="342900" indent="-342900" defTabSz="914400">
+              <a:spcBef>
+                <a:spcPts val="500"/>
+              </a:spcBef>
+              <a:spcAft>
+                <a:spcPts val="500"/>
+              </a:spcAft>
+              <a:buClr>
+                <a:srgbClr val="2F4489"/>
+              </a:buClr>
+              <a:buFont typeface="Wingdings" panose="05000000000000000000" pitchFamily="2" charset="2"/>
+              <a:buChar char="Ø"/>
+              <a:defRPr/>
+            </a:pPr>
+            <a:r>
+              <a:rPr lang="en-US" sz="2800" dirty="0" smtClean="0">
+                <a:latin typeface="+mn-lt"/>
+              </a:rPr>
+              <a:t>Implementation-science </a:t>
+            </a:r>
+            <a:r>
+              <a:rPr lang="en-US" sz="2800" dirty="0">
+                <a:latin typeface="+mn-lt"/>
+              </a:rPr>
+              <a:t>focused approaches </a:t>
+            </a:r>
+            <a:r>
+              <a:rPr lang="en-US" sz="2800" dirty="0" smtClean="0">
+                <a:latin typeface="+mn-lt"/>
+              </a:rPr>
+              <a:t>provide benefit to the building </a:t>
+            </a:r>
+            <a:r>
+              <a:rPr lang="en-US" sz="2800" dirty="0">
+                <a:latin typeface="+mn-lt"/>
+              </a:rPr>
+              <a:t>and deploying predictive sepsis CDS </a:t>
+            </a:r>
+            <a:r>
+              <a:rPr lang="en-US" sz="2800" dirty="0" smtClean="0">
+                <a:latin typeface="+mn-lt"/>
+              </a:rPr>
+              <a:t>systems </a:t>
+            </a:r>
+            <a:r>
+              <a:rPr lang="en-US" sz="2800" dirty="0">
+                <a:latin typeface="+mn-lt"/>
+              </a:rPr>
+              <a:t>as </a:t>
+            </a:r>
+            <a:r>
+              <a:rPr lang="en-US" sz="2800" dirty="0" smtClean="0">
+                <a:latin typeface="+mn-lt"/>
+              </a:rPr>
+              <a:t>human </a:t>
+            </a:r>
+            <a:r>
+              <a:rPr lang="en-US" sz="2800" dirty="0">
+                <a:latin typeface="+mn-lt"/>
+              </a:rPr>
+              <a:t>factors considerations </a:t>
+            </a:r>
+            <a:r>
+              <a:rPr lang="en-US" sz="2800" dirty="0" smtClean="0">
+                <a:latin typeface="+mn-lt"/>
+              </a:rPr>
+              <a:t>lead to provider buy-in and trust in a novel CDS system</a:t>
             </a:r>
             <a:endParaRPr lang="en-US" sz="2800" dirty="0">
               <a:latin typeface="+mn-lt"/>
@@ -4770,7 +4892,7 @@
         </p:nvGrpSpPr>
         <p:grpSpPr bwMode="auto">
           <a:xfrm>
-            <a:off x="25146632" y="12031316"/>
+            <a:off x="25146632" y="12877800"/>
             <a:ext cx="7043659" cy="710236"/>
             <a:chOff x="416" y="2800"/>
             <a:chExt cx="4093" cy="363"/>
@@ -5072,32 +5194,268 @@
       </p:pic>
       <p:grpSp>
         <p:nvGrpSpPr>
-          <p:cNvPr id="85" name="Group 525">
-            <a:extLst>
-              <a:ext uri="{FF2B5EF4-FFF2-40B4-BE49-F238E27FC236}">
-                <a16:creationId xmlns:a16="http://schemas.microsoft.com/office/drawing/2014/main" id="{832B6AA0-5FE9-2B4F-AFAC-21879955572E}"/>
-              </a:ext>
-            </a:extLst>
-          </p:cNvPr>
-          <p:cNvGrpSpPr>
-            <a:grpSpLocks/>
-          </p:cNvGrpSpPr>
+          <p:cNvPr id="7" name="Group 6"/>
+          <p:cNvGrpSpPr/>
           <p:nvPr/>
         </p:nvGrpSpPr>
-        <p:grpSpPr bwMode="auto">
+        <p:grpSpPr>
           <a:xfrm>
             <a:off x="508431" y="16443507"/>
-            <a:ext cx="7031883" cy="709048"/>
-            <a:chOff x="416" y="2800"/>
-            <a:chExt cx="4093" cy="363"/>
+            <a:ext cx="7031883" cy="5892364"/>
+            <a:chOff x="508431" y="16443507"/>
+            <a:chExt cx="7031883" cy="5892364"/>
           </a:xfrm>
         </p:grpSpPr>
+        <p:grpSp>
+          <p:nvGrpSpPr>
+            <p:cNvPr id="85" name="Group 525">
+              <a:extLst>
+                <a:ext uri="{FF2B5EF4-FFF2-40B4-BE49-F238E27FC236}">
+                  <a16:creationId xmlns:a16="http://schemas.microsoft.com/office/drawing/2014/main" id="{832B6AA0-5FE9-2B4F-AFAC-21879955572E}"/>
+                </a:ext>
+              </a:extLst>
+            </p:cNvPr>
+            <p:cNvGrpSpPr>
+              <a:grpSpLocks/>
+            </p:cNvGrpSpPr>
+            <p:nvPr/>
+          </p:nvGrpSpPr>
+          <p:grpSpPr bwMode="auto">
+            <a:xfrm>
+              <a:off x="508431" y="16443507"/>
+              <a:ext cx="7031883" cy="709048"/>
+              <a:chOff x="416" y="2800"/>
+              <a:chExt cx="4093" cy="363"/>
+            </a:xfrm>
+          </p:grpSpPr>
+          <p:sp>
+            <p:nvSpPr>
+              <p:cNvPr id="86" name="Text Box 45">
+                <a:extLst>
+                  <a:ext uri="{FF2B5EF4-FFF2-40B4-BE49-F238E27FC236}">
+                    <a16:creationId xmlns:a16="http://schemas.microsoft.com/office/drawing/2014/main" id="{CC88EF65-F57F-2741-A466-8FC5F6916602}"/>
+                  </a:ext>
+                </a:extLst>
+              </p:cNvPr>
+              <p:cNvSpPr txBox="1">
+                <a:spLocks noChangeArrowheads="1"/>
+              </p:cNvSpPr>
+              <p:nvPr/>
+            </p:nvSpPr>
+            <p:spPr bwMode="auto">
+              <a:xfrm>
+                <a:off x="416" y="2800"/>
+                <a:ext cx="1891" cy="303"/>
+              </a:xfrm>
+              <a:prstGeom prst="rect">
+                <a:avLst/>
+              </a:prstGeom>
+              <a:noFill/>
+              <a:ln>
+                <a:noFill/>
+              </a:ln>
+              <a:extLst>
+                <a:ext uri="{909E8E84-426E-40DD-AFC4-6F175D3DCCD1}">
+                  <a14:hiddenFill xmlns:a14="http://schemas.microsoft.com/office/drawing/2010/main">
+                    <a:solidFill>
+                      <a:srgbClr val="FFFFFF"/>
+                    </a:solidFill>
+                  </a14:hiddenFill>
+                </a:ext>
+                <a:ext uri="{91240B29-F687-4F45-9708-019B960494DF}">
+                  <a14:hiddenLine xmlns:a14="http://schemas.microsoft.com/office/drawing/2010/main" w="9525">
+                    <a:solidFill>
+                      <a:srgbClr val="000000"/>
+                    </a:solidFill>
+                    <a:miter lim="800000"/>
+                    <a:headEnd/>
+                    <a:tailEnd/>
+                  </a14:hiddenLine>
+                </a:ext>
+              </a:extLst>
+            </p:spPr>
+            <p:txBody>
+              <a:bodyPr lIns="99686" tIns="49841" rIns="99686" bIns="49841">
+                <a:spAutoFit/>
+              </a:bodyPr>
+              <a:lstStyle>
+                <a:lvl1pPr>
+                  <a:defRPr>
+                    <a:solidFill>
+                      <a:schemeClr val="tx1"/>
+                    </a:solidFill>
+                    <a:latin typeface="Garamond" pitchFamily="18" charset="0"/>
+                  </a:defRPr>
+                </a:lvl1pPr>
+                <a:lvl2pPr marL="742950" indent="-285750">
+                  <a:defRPr>
+                    <a:solidFill>
+                      <a:schemeClr val="tx1"/>
+                    </a:solidFill>
+                    <a:latin typeface="Garamond" pitchFamily="18" charset="0"/>
+                  </a:defRPr>
+                </a:lvl2pPr>
+                <a:lvl3pPr marL="1143000" indent="-228600">
+                  <a:defRPr>
+                    <a:solidFill>
+                      <a:schemeClr val="tx1"/>
+                    </a:solidFill>
+                    <a:latin typeface="Garamond" pitchFamily="18" charset="0"/>
+                  </a:defRPr>
+                </a:lvl3pPr>
+                <a:lvl4pPr marL="1600200" indent="-228600">
+                  <a:defRPr>
+                    <a:solidFill>
+                      <a:schemeClr val="tx1"/>
+                    </a:solidFill>
+                    <a:latin typeface="Garamond" pitchFamily="18" charset="0"/>
+                  </a:defRPr>
+                </a:lvl4pPr>
+                <a:lvl5pPr marL="2057400" indent="-228600">
+                  <a:defRPr>
+                    <a:solidFill>
+                      <a:schemeClr val="tx1"/>
+                    </a:solidFill>
+                    <a:latin typeface="Garamond" pitchFamily="18" charset="0"/>
+                  </a:defRPr>
+                </a:lvl5pPr>
+                <a:lvl6pPr marL="2514600" indent="-228600" algn="ctr" eaLnBrk="0" fontAlgn="base" hangingPunct="0">
+                  <a:spcBef>
+                    <a:spcPct val="0"/>
+                  </a:spcBef>
+                  <a:spcAft>
+                    <a:spcPct val="0"/>
+                  </a:spcAft>
+                  <a:defRPr>
+                    <a:solidFill>
+                      <a:schemeClr val="tx1"/>
+                    </a:solidFill>
+                    <a:latin typeface="Garamond" pitchFamily="18" charset="0"/>
+                  </a:defRPr>
+                </a:lvl6pPr>
+                <a:lvl7pPr marL="2971800" indent="-228600" algn="ctr" eaLnBrk="0" fontAlgn="base" hangingPunct="0">
+                  <a:spcBef>
+                    <a:spcPct val="0"/>
+                  </a:spcBef>
+                  <a:spcAft>
+                    <a:spcPct val="0"/>
+                  </a:spcAft>
+                  <a:defRPr>
+                    <a:solidFill>
+                      <a:schemeClr val="tx1"/>
+                    </a:solidFill>
+                    <a:latin typeface="Garamond" pitchFamily="18" charset="0"/>
+                  </a:defRPr>
+                </a:lvl7pPr>
+                <a:lvl8pPr marL="3429000" indent="-228600" algn="ctr" eaLnBrk="0" fontAlgn="base" hangingPunct="0">
+                  <a:spcBef>
+                    <a:spcPct val="0"/>
+                  </a:spcBef>
+                  <a:spcAft>
+                    <a:spcPct val="0"/>
+                  </a:spcAft>
+                  <a:defRPr>
+                    <a:solidFill>
+                      <a:schemeClr val="tx1"/>
+                    </a:solidFill>
+                    <a:latin typeface="Garamond" pitchFamily="18" charset="0"/>
+                  </a:defRPr>
+                </a:lvl8pPr>
+                <a:lvl9pPr marL="3886200" indent="-228600" algn="ctr" eaLnBrk="0" fontAlgn="base" hangingPunct="0">
+                  <a:spcBef>
+                    <a:spcPct val="0"/>
+                  </a:spcBef>
+                  <a:spcAft>
+                    <a:spcPct val="0"/>
+                  </a:spcAft>
+                  <a:defRPr>
+                    <a:solidFill>
+                      <a:schemeClr val="tx1"/>
+                    </a:solidFill>
+                    <a:latin typeface="Garamond" pitchFamily="18" charset="0"/>
+                  </a:defRPr>
+                </a:lvl9pPr>
+              </a:lstStyle>
+              <a:p>
+                <a:pPr defTabSz="997519">
+                  <a:lnSpc>
+                    <a:spcPct val="110000"/>
+                  </a:lnSpc>
+                  <a:defRPr/>
+                </a:pPr>
+                <a:r>
+                  <a:rPr lang="en-US" sz="3055" b="1" kern="0" spc="300" dirty="0">
+                    <a:solidFill>
+                      <a:srgbClr val="011F5B"/>
+                    </a:solidFill>
+                    <a:latin typeface="+mn-lt"/>
+                  </a:rPr>
+                  <a:t>Methods</a:t>
+                </a:r>
+              </a:p>
+            </p:txBody>
+          </p:sp>
+          <p:sp>
+            <p:nvSpPr>
+              <p:cNvPr id="87" name="Line 509">
+                <a:extLst>
+                  <a:ext uri="{FF2B5EF4-FFF2-40B4-BE49-F238E27FC236}">
+                    <a16:creationId xmlns:a16="http://schemas.microsoft.com/office/drawing/2014/main" id="{4E46E510-D4E0-5040-9706-745AA48BC93D}"/>
+                  </a:ext>
+                </a:extLst>
+              </p:cNvPr>
+              <p:cNvSpPr>
+                <a:spLocks noChangeShapeType="1"/>
+              </p:cNvSpPr>
+              <p:nvPr/>
+            </p:nvSpPr>
+            <p:spPr bwMode="auto">
+              <a:xfrm>
+                <a:off x="478" y="3163"/>
+                <a:ext cx="4031" cy="0"/>
+              </a:xfrm>
+              <a:prstGeom prst="line">
+                <a:avLst/>
+              </a:prstGeom>
+              <a:noFill/>
+              <a:ln w="57150">
+                <a:solidFill>
+                  <a:srgbClr val="808080"/>
+                </a:solidFill>
+                <a:round/>
+                <a:headEnd/>
+                <a:tailEnd/>
+              </a:ln>
+              <a:extLst>
+                <a:ext uri="{909E8E84-426E-40DD-AFC4-6F175D3DCCD1}">
+                  <a14:hiddenFill xmlns:a14="http://schemas.microsoft.com/office/drawing/2010/main">
+                    <a:noFill/>
+                  </a14:hiddenFill>
+                </a:ext>
+              </a:extLst>
+            </p:spPr>
+            <p:txBody>
+              <a:bodyPr wrap="none" anchor="ctr"/>
+              <a:lstStyle/>
+              <a:p>
+                <a:pPr defTabSz="997519">
+                  <a:defRPr/>
+                </a:pPr>
+                <a:endParaRPr lang="en-US" sz="1964" kern="0">
+                  <a:solidFill>
+                    <a:sysClr val="windowText" lastClr="000000"/>
+                  </a:solidFill>
+                </a:endParaRPr>
+              </a:p>
+            </p:txBody>
+          </p:sp>
+        </p:grpSp>
         <p:sp>
           <p:nvSpPr>
-            <p:cNvPr id="86" name="Text Box 45">
+            <p:cNvPr id="32" name="Text Box 46">
               <a:extLst>
                 <a:ext uri="{FF2B5EF4-FFF2-40B4-BE49-F238E27FC236}">
-                  <a16:creationId xmlns:a16="http://schemas.microsoft.com/office/drawing/2014/main" id="{CC88EF65-F57F-2741-A466-8FC5F6916602}"/>
+                  <a16:creationId xmlns:a16="http://schemas.microsoft.com/office/drawing/2014/main" id="{ACE7A059-C1A4-C54B-A461-6091B1B628FD}"/>
                 </a:ext>
               </a:extLst>
             </p:cNvPr>
@@ -5108,8 +5466,8 @@
           </p:nvSpPr>
           <p:spPr bwMode="auto">
             <a:xfrm>
-              <a:off x="416" y="2800"/>
-              <a:ext cx="1891" cy="303"/>
+              <a:off x="508431" y="17269754"/>
+              <a:ext cx="7020802" cy="5066117"/>
             </a:xfrm>
             <a:prstGeom prst="rect">
               <a:avLst/>
@@ -5143,7 +5501,7 @@
               <a:spAutoFit/>
             </a:bodyPr>
             <a:lstStyle>
-              <a:lvl1pPr>
+              <a:lvl1pPr marL="457200" indent="-457200">
                 <a:defRPr>
                   <a:solidFill>
                     <a:schemeClr val="tx1"/>
@@ -5241,600 +5599,139 @@
               </a:lvl9pPr>
             </a:lstStyle>
             <a:p>
-              <a:pPr defTabSz="997519">
-                <a:lnSpc>
-                  <a:spcPct val="110000"/>
-                </a:lnSpc>
+              <a:pPr marL="342900" indent="-342900" defTabSz="914400">
+                <a:spcBef>
+                  <a:spcPts val="500"/>
+                </a:spcBef>
+                <a:spcAft>
+                  <a:spcPts val="500"/>
+                </a:spcAft>
+                <a:buClr>
+                  <a:srgbClr val="2F4489"/>
+                </a:buClr>
+                <a:buFont typeface="Wingdings" panose="05000000000000000000" pitchFamily="2" charset="2"/>
+                <a:buChar char="Ø"/>
                 <a:defRPr/>
               </a:pPr>
               <a:r>
-                <a:rPr lang="en-US" sz="3055" b="1" kern="0" spc="300" dirty="0">
-                  <a:solidFill>
-                    <a:srgbClr val="011F5B"/>
-                  </a:solidFill>
+                <a:rPr lang="en-US" sz="2800" dirty="0" smtClean="0">
+                  <a:latin typeface="+mn-lt"/>
+                  <a:ea typeface="Calibri" charset="0"/>
+                  <a:cs typeface="Calibri" charset="0"/>
+                </a:rPr>
+                <a:t>We </a:t>
+              </a:r>
+              <a:r>
+                <a:rPr lang="en-US" sz="2800" dirty="0">
+                  <a:latin typeface="+mn-lt"/>
+                  <a:ea typeface="Calibri" charset="0"/>
+                  <a:cs typeface="Calibri" charset="0"/>
+                </a:rPr>
+                <a:t>conducted semi-structured interviews with 6 bedside nurses, 5 physicians and 4 advanced practice </a:t>
+              </a:r>
+              <a:r>
+                <a:rPr lang="en-US" sz="2800" dirty="0" smtClean="0">
+                  <a:latin typeface="+mn-lt"/>
+                  <a:ea typeface="Calibri" charset="0"/>
+                  <a:cs typeface="Calibri" charset="0"/>
+                </a:rPr>
+                <a:t>providers. Participants were presented with two virtual patients in EPIC who may or may not have sepsis.</a:t>
+              </a:r>
+            </a:p>
+            <a:p>
+              <a:pPr marL="342900" indent="-342900" defTabSz="914400">
+                <a:spcBef>
+                  <a:spcPts val="500"/>
+                </a:spcBef>
+                <a:spcAft>
+                  <a:spcPts val="500"/>
+                </a:spcAft>
+                <a:buClr>
+                  <a:srgbClr val="2F4489"/>
+                </a:buClr>
+                <a:buFont typeface="Wingdings" panose="05000000000000000000" pitchFamily="2" charset="2"/>
+                <a:buChar char="Ø"/>
+                <a:defRPr/>
+              </a:pPr>
+              <a:r>
+                <a:rPr lang="en-US" sz="2800" dirty="0" smtClean="0">
                   <a:latin typeface="+mn-lt"/>
                 </a:rPr>
-                <a:t>Methods</a:t>
+                <a:t>Questions </a:t>
               </a:r>
+              <a:r>
+                <a:rPr lang="en-US" sz="2800" dirty="0">
+                  <a:latin typeface="+mn-lt"/>
+                </a:rPr>
+                <a:t>sought to </a:t>
+              </a:r>
+              <a:r>
+                <a:rPr lang="en-US" sz="2800" dirty="0" smtClean="0">
+                  <a:latin typeface="+mn-lt"/>
+                </a:rPr>
+                <a:t>elicit desired characteristics and perceived impacts </a:t>
+              </a:r>
+              <a:r>
+                <a:rPr lang="en-US" sz="2800" dirty="0">
+                  <a:latin typeface="+mn-lt"/>
+                </a:rPr>
+                <a:t>of a predictive sepsis alert on workflow and decision making when diagnosing and managing </a:t>
+              </a:r>
+              <a:r>
+                <a:rPr lang="en-US" sz="2800" dirty="0" smtClean="0">
+                  <a:latin typeface="+mn-lt"/>
+                </a:rPr>
+                <a:t>patients suspected of sepsis.</a:t>
+              </a:r>
+              <a:endParaRPr lang="en-US" sz="2800" dirty="0">
+                <a:latin typeface="+mn-lt"/>
+                <a:ea typeface="Calibri" charset="0"/>
+                <a:cs typeface="Calibri" charset="0"/>
+              </a:endParaRPr>
             </a:p>
-          </p:txBody>
-        </p:sp>
-        <p:sp>
-          <p:nvSpPr>
-            <p:cNvPr id="87" name="Line 509">
-              <a:extLst>
-                <a:ext uri="{FF2B5EF4-FFF2-40B4-BE49-F238E27FC236}">
-                  <a16:creationId xmlns:a16="http://schemas.microsoft.com/office/drawing/2014/main" id="{4E46E510-D4E0-5040-9706-745AA48BC93D}"/>
-                </a:ext>
-              </a:extLst>
-            </p:cNvPr>
-            <p:cNvSpPr>
-              <a:spLocks noChangeShapeType="1"/>
-            </p:cNvSpPr>
-            <p:nvPr/>
-          </p:nvSpPr>
-          <p:spPr bwMode="auto">
-            <a:xfrm>
-              <a:off x="478" y="3163"/>
-              <a:ext cx="4031" cy="0"/>
-            </a:xfrm>
-            <a:prstGeom prst="line">
-              <a:avLst/>
-            </a:prstGeom>
-            <a:noFill/>
-            <a:ln w="57150">
-              <a:solidFill>
-                <a:srgbClr val="808080"/>
-              </a:solidFill>
-              <a:round/>
-              <a:headEnd/>
-              <a:tailEnd/>
-            </a:ln>
-            <a:extLst>
-              <a:ext uri="{909E8E84-426E-40DD-AFC4-6F175D3DCCD1}">
-                <a14:hiddenFill xmlns:a14="http://schemas.microsoft.com/office/drawing/2010/main">
-                  <a:noFill/>
-                </a14:hiddenFill>
-              </a:ext>
-            </a:extLst>
-          </p:spPr>
-          <p:txBody>
-            <a:bodyPr wrap="none" anchor="ctr"/>
-            <a:lstStyle/>
             <a:p>
-              <a:pPr defTabSz="997519">
+              <a:pPr marL="342900" indent="-342900" defTabSz="914400">
+                <a:spcBef>
+                  <a:spcPts val="500"/>
+                </a:spcBef>
+                <a:spcAft>
+                  <a:spcPts val="500"/>
+                </a:spcAft>
+                <a:buClr>
+                  <a:srgbClr val="2F4489"/>
+                </a:buClr>
+                <a:buFont typeface="Wingdings" panose="05000000000000000000" pitchFamily="2" charset="2"/>
+                <a:buChar char="Ø"/>
                 <a:defRPr/>
               </a:pPr>
-              <a:endParaRPr lang="en-US" sz="1964" kern="0">
-                <a:solidFill>
-                  <a:sysClr val="windowText" lastClr="000000"/>
-                </a:solidFill>
+              <a:endParaRPr lang="en-US" sz="2600" dirty="0">
+                <a:latin typeface="+mn-lt"/>
+                <a:cs typeface="Calibri" charset="0"/>
               </a:endParaRPr>
             </a:p>
           </p:txBody>
         </p:sp>
       </p:grpSp>
-      <p:sp>
-        <p:nvSpPr>
-          <p:cNvPr id="32" name="Text Box 46">
-            <a:extLst>
-              <a:ext uri="{FF2B5EF4-FFF2-40B4-BE49-F238E27FC236}">
-                <a16:creationId xmlns:a16="http://schemas.microsoft.com/office/drawing/2014/main" id="{ACE7A059-C1A4-C54B-A461-6091B1B628FD}"/>
-              </a:ext>
-            </a:extLst>
-          </p:cNvPr>
-          <p:cNvSpPr txBox="1">
-            <a:spLocks noChangeArrowheads="1"/>
-          </p:cNvSpPr>
-          <p:nvPr/>
-        </p:nvSpPr>
-        <p:spPr bwMode="auto">
-          <a:xfrm>
-            <a:off x="508431" y="17269754"/>
-            <a:ext cx="7020802" cy="4635230"/>
-          </a:xfrm>
-          <a:prstGeom prst="rect">
-            <a:avLst/>
-          </a:prstGeom>
-          <a:noFill/>
-          <a:ln>
-            <a:noFill/>
-          </a:ln>
-          <a:extLst>
-            <a:ext uri="{909E8E84-426E-40DD-AFC4-6F175D3DCCD1}">
-              <a14:hiddenFill xmlns:a14="http://schemas.microsoft.com/office/drawing/2010/main">
-                <a:solidFill>
-                  <a:srgbClr val="FFFFFF"/>
-                </a:solidFill>
-              </a14:hiddenFill>
-            </a:ext>
-            <a:ext uri="{91240B29-F687-4F45-9708-019B960494DF}">
-              <a14:hiddenLine xmlns:a14="http://schemas.microsoft.com/office/drawing/2010/main" w="9525">
-                <a:solidFill>
-                  <a:srgbClr val="000000"/>
-                </a:solidFill>
-                <a:miter lim="800000"/>
-                <a:headEnd/>
-                <a:tailEnd/>
-              </a14:hiddenLine>
-            </a:ext>
-          </a:extLst>
-        </p:spPr>
-        <p:txBody>
-          <a:bodyPr lIns="99686" tIns="49841" rIns="99686" bIns="49841">
-            <a:spAutoFit/>
-          </a:bodyPr>
-          <a:lstStyle>
-            <a:lvl1pPr marL="457200" indent="-457200">
-              <a:defRPr>
-                <a:solidFill>
-                  <a:schemeClr val="tx1"/>
-                </a:solidFill>
-                <a:latin typeface="Garamond" pitchFamily="18" charset="0"/>
-              </a:defRPr>
-            </a:lvl1pPr>
-            <a:lvl2pPr marL="742950" indent="-285750">
-              <a:defRPr>
-                <a:solidFill>
-                  <a:schemeClr val="tx1"/>
-                </a:solidFill>
-                <a:latin typeface="Garamond" pitchFamily="18" charset="0"/>
-              </a:defRPr>
-            </a:lvl2pPr>
-            <a:lvl3pPr marL="1143000" indent="-228600">
-              <a:defRPr>
-                <a:solidFill>
-                  <a:schemeClr val="tx1"/>
-                </a:solidFill>
-                <a:latin typeface="Garamond" pitchFamily="18" charset="0"/>
-              </a:defRPr>
-            </a:lvl3pPr>
-            <a:lvl4pPr marL="1600200" indent="-228600">
-              <a:defRPr>
-                <a:solidFill>
-                  <a:schemeClr val="tx1"/>
-                </a:solidFill>
-                <a:latin typeface="Garamond" pitchFamily="18" charset="0"/>
-              </a:defRPr>
-            </a:lvl4pPr>
-            <a:lvl5pPr marL="2057400" indent="-228600">
-              <a:defRPr>
-                <a:solidFill>
-                  <a:schemeClr val="tx1"/>
-                </a:solidFill>
-                <a:latin typeface="Garamond" pitchFamily="18" charset="0"/>
-              </a:defRPr>
-            </a:lvl5pPr>
-            <a:lvl6pPr marL="2514600" indent="-228600" algn="ctr" eaLnBrk="0" fontAlgn="base" hangingPunct="0">
-              <a:spcBef>
-                <a:spcPct val="0"/>
-              </a:spcBef>
-              <a:spcAft>
-                <a:spcPct val="0"/>
-              </a:spcAft>
-              <a:defRPr>
-                <a:solidFill>
-                  <a:schemeClr val="tx1"/>
-                </a:solidFill>
-                <a:latin typeface="Garamond" pitchFamily="18" charset="0"/>
-              </a:defRPr>
-            </a:lvl6pPr>
-            <a:lvl7pPr marL="2971800" indent="-228600" algn="ctr" eaLnBrk="0" fontAlgn="base" hangingPunct="0">
-              <a:spcBef>
-                <a:spcPct val="0"/>
-              </a:spcBef>
-              <a:spcAft>
-                <a:spcPct val="0"/>
-              </a:spcAft>
-              <a:defRPr>
-                <a:solidFill>
-                  <a:schemeClr val="tx1"/>
-                </a:solidFill>
-                <a:latin typeface="Garamond" pitchFamily="18" charset="0"/>
-              </a:defRPr>
-            </a:lvl7pPr>
-            <a:lvl8pPr marL="3429000" indent="-228600" algn="ctr" eaLnBrk="0" fontAlgn="base" hangingPunct="0">
-              <a:spcBef>
-                <a:spcPct val="0"/>
-              </a:spcBef>
-              <a:spcAft>
-                <a:spcPct val="0"/>
-              </a:spcAft>
-              <a:defRPr>
-                <a:solidFill>
-                  <a:schemeClr val="tx1"/>
-                </a:solidFill>
-                <a:latin typeface="Garamond" pitchFamily="18" charset="0"/>
-              </a:defRPr>
-            </a:lvl8pPr>
-            <a:lvl9pPr marL="3886200" indent="-228600" algn="ctr" eaLnBrk="0" fontAlgn="base" hangingPunct="0">
-              <a:spcBef>
-                <a:spcPct val="0"/>
-              </a:spcBef>
-              <a:spcAft>
-                <a:spcPct val="0"/>
-              </a:spcAft>
-              <a:defRPr>
-                <a:solidFill>
-                  <a:schemeClr val="tx1"/>
-                </a:solidFill>
-                <a:latin typeface="Garamond" pitchFamily="18" charset="0"/>
-              </a:defRPr>
-            </a:lvl9pPr>
-          </a:lstStyle>
-          <a:p>
-            <a:pPr marL="342900" indent="-342900" defTabSz="914400">
-              <a:spcBef>
-                <a:spcPts val="500"/>
-              </a:spcBef>
-              <a:spcAft>
-                <a:spcPts val="500"/>
-              </a:spcAft>
-              <a:buClr>
-                <a:srgbClr val="2F4489"/>
-              </a:buClr>
-              <a:buFont typeface="Wingdings" panose="05000000000000000000" pitchFamily="2" charset="2"/>
-              <a:buChar char="Ø"/>
-              <a:defRPr/>
-            </a:pPr>
-            <a:r>
-              <a:rPr lang="en-US" sz="2800" dirty="0" smtClean="0">
-                <a:latin typeface="+mn-lt"/>
-                <a:ea typeface="Calibri" charset="0"/>
-                <a:cs typeface="Calibri" charset="0"/>
-              </a:rPr>
-              <a:t>We </a:t>
-            </a:r>
-            <a:r>
-              <a:rPr lang="en-US" sz="2800" dirty="0">
-                <a:latin typeface="+mn-lt"/>
-                <a:ea typeface="Calibri" charset="0"/>
-                <a:cs typeface="Calibri" charset="0"/>
-              </a:rPr>
-              <a:t>conducted semi-structured interviews with 6 bedside nurses, 5 physicians and 4 advanced practice </a:t>
-            </a:r>
-            <a:r>
-              <a:rPr lang="en-US" sz="2800" dirty="0" smtClean="0">
-                <a:latin typeface="+mn-lt"/>
-                <a:ea typeface="Calibri" charset="0"/>
-                <a:cs typeface="Calibri" charset="0"/>
-              </a:rPr>
-              <a:t>providers. Participants were presented with two virtual patients in EPIC who may or may not have sepsis</a:t>
-            </a:r>
-          </a:p>
-          <a:p>
-            <a:pPr marL="342900" indent="-342900" defTabSz="914400">
-              <a:spcBef>
-                <a:spcPts val="500"/>
-              </a:spcBef>
-              <a:spcAft>
-                <a:spcPts val="500"/>
-              </a:spcAft>
-              <a:buClr>
-                <a:srgbClr val="2F4489"/>
-              </a:buClr>
-              <a:buFont typeface="Wingdings" panose="05000000000000000000" pitchFamily="2" charset="2"/>
-              <a:buChar char="Ø"/>
-              <a:defRPr/>
-            </a:pPr>
-            <a:r>
-              <a:rPr lang="en-US" sz="2800" dirty="0" smtClean="0">
-                <a:latin typeface="+mn-lt"/>
-              </a:rPr>
-              <a:t>Questions </a:t>
-            </a:r>
-            <a:r>
-              <a:rPr lang="en-US" sz="2800" dirty="0">
-                <a:latin typeface="+mn-lt"/>
-              </a:rPr>
-              <a:t>sought to </a:t>
-            </a:r>
-            <a:r>
-              <a:rPr lang="en-US" sz="2800" dirty="0" smtClean="0">
-                <a:latin typeface="+mn-lt"/>
-              </a:rPr>
-              <a:t>elicit </a:t>
-            </a:r>
-            <a:r>
-              <a:rPr lang="en-US" sz="2800" dirty="0">
-                <a:latin typeface="+mn-lt"/>
-              </a:rPr>
-              <a:t>perceived </a:t>
-            </a:r>
-            <a:r>
-              <a:rPr lang="en-US" sz="2800" dirty="0" smtClean="0">
-                <a:latin typeface="+mn-lt"/>
-              </a:rPr>
-              <a:t>impacts </a:t>
-            </a:r>
-            <a:r>
-              <a:rPr lang="en-US" sz="2800" dirty="0">
-                <a:latin typeface="+mn-lt"/>
-              </a:rPr>
-              <a:t>of a predictive sepsis alert on workflow and decision making when diagnosing and managing </a:t>
-            </a:r>
-            <a:r>
-              <a:rPr lang="en-US" sz="2800" dirty="0" smtClean="0">
-                <a:latin typeface="+mn-lt"/>
-              </a:rPr>
-              <a:t>patients suspected of sepsis</a:t>
-            </a:r>
-            <a:endParaRPr lang="en-US" sz="2800" dirty="0">
-              <a:latin typeface="+mn-lt"/>
-              <a:ea typeface="Calibri" charset="0"/>
-              <a:cs typeface="Calibri" charset="0"/>
-            </a:endParaRPr>
-          </a:p>
-          <a:p>
-            <a:pPr marL="342900" indent="-342900" defTabSz="914400">
-              <a:spcBef>
-                <a:spcPts val="500"/>
-              </a:spcBef>
-              <a:spcAft>
-                <a:spcPts val="500"/>
-              </a:spcAft>
-              <a:buClr>
-                <a:srgbClr val="2F4489"/>
-              </a:buClr>
-              <a:buFont typeface="Wingdings" panose="05000000000000000000" pitchFamily="2" charset="2"/>
-              <a:buChar char="Ø"/>
-              <a:defRPr/>
-            </a:pPr>
-            <a:endParaRPr lang="en-US" sz="2600" dirty="0">
-              <a:latin typeface="+mn-lt"/>
-              <a:cs typeface="Calibri" charset="0"/>
-            </a:endParaRPr>
-          </a:p>
-        </p:txBody>
-      </p:sp>
-      <p:sp>
-        <p:nvSpPr>
-          <p:cNvPr id="69" name="Text Box 46">
-            <a:extLst>
-              <a:ext uri="{FF2B5EF4-FFF2-40B4-BE49-F238E27FC236}">
-                <a16:creationId xmlns:a16="http://schemas.microsoft.com/office/drawing/2014/main" id="{ACE7A059-C1A4-C54B-A461-6091B1B628FD}"/>
-              </a:ext>
-            </a:extLst>
-          </p:cNvPr>
-          <p:cNvSpPr txBox="1">
-            <a:spLocks noChangeArrowheads="1"/>
-          </p:cNvSpPr>
-          <p:nvPr/>
-        </p:nvSpPr>
-        <p:spPr bwMode="auto">
-          <a:xfrm>
-            <a:off x="488431" y="8746967"/>
-            <a:ext cx="7020802" cy="7681900"/>
-          </a:xfrm>
-          <a:prstGeom prst="rect">
-            <a:avLst/>
-          </a:prstGeom>
-          <a:noFill/>
-          <a:ln>
-            <a:noFill/>
-          </a:ln>
-          <a:extLst>
-            <a:ext uri="{909E8E84-426E-40DD-AFC4-6F175D3DCCD1}">
-              <a14:hiddenFill xmlns:a14="http://schemas.microsoft.com/office/drawing/2010/main">
-                <a:solidFill>
-                  <a:srgbClr val="FFFFFF"/>
-                </a:solidFill>
-              </a14:hiddenFill>
-            </a:ext>
-            <a:ext uri="{91240B29-F687-4F45-9708-019B960494DF}">
-              <a14:hiddenLine xmlns:a14="http://schemas.microsoft.com/office/drawing/2010/main" w="9525">
-                <a:solidFill>
-                  <a:srgbClr val="000000"/>
-                </a:solidFill>
-                <a:miter lim="800000"/>
-                <a:headEnd/>
-                <a:tailEnd/>
-              </a14:hiddenLine>
-            </a:ext>
-          </a:extLst>
-        </p:spPr>
-        <p:txBody>
-          <a:bodyPr lIns="99686" tIns="49841" rIns="99686" bIns="49841">
-            <a:spAutoFit/>
-          </a:bodyPr>
-          <a:lstStyle>
-            <a:lvl1pPr marL="457200" indent="-457200">
-              <a:defRPr>
-                <a:solidFill>
-                  <a:schemeClr val="tx1"/>
-                </a:solidFill>
-                <a:latin typeface="Garamond" pitchFamily="18" charset="0"/>
-              </a:defRPr>
-            </a:lvl1pPr>
-            <a:lvl2pPr marL="742950" indent="-285750">
-              <a:defRPr>
-                <a:solidFill>
-                  <a:schemeClr val="tx1"/>
-                </a:solidFill>
-                <a:latin typeface="Garamond" pitchFamily="18" charset="0"/>
-              </a:defRPr>
-            </a:lvl2pPr>
-            <a:lvl3pPr marL="1143000" indent="-228600">
-              <a:defRPr>
-                <a:solidFill>
-                  <a:schemeClr val="tx1"/>
-                </a:solidFill>
-                <a:latin typeface="Garamond" pitchFamily="18" charset="0"/>
-              </a:defRPr>
-            </a:lvl3pPr>
-            <a:lvl4pPr marL="1600200" indent="-228600">
-              <a:defRPr>
-                <a:solidFill>
-                  <a:schemeClr val="tx1"/>
-                </a:solidFill>
-                <a:latin typeface="Garamond" pitchFamily="18" charset="0"/>
-              </a:defRPr>
-            </a:lvl4pPr>
-            <a:lvl5pPr marL="2057400" indent="-228600">
-              <a:defRPr>
-                <a:solidFill>
-                  <a:schemeClr val="tx1"/>
-                </a:solidFill>
-                <a:latin typeface="Garamond" pitchFamily="18" charset="0"/>
-              </a:defRPr>
-            </a:lvl5pPr>
-            <a:lvl6pPr marL="2514600" indent="-228600" algn="ctr" eaLnBrk="0" fontAlgn="base" hangingPunct="0">
-              <a:spcBef>
-                <a:spcPct val="0"/>
-              </a:spcBef>
-              <a:spcAft>
-                <a:spcPct val="0"/>
-              </a:spcAft>
-              <a:defRPr>
-                <a:solidFill>
-                  <a:schemeClr val="tx1"/>
-                </a:solidFill>
-                <a:latin typeface="Garamond" pitchFamily="18" charset="0"/>
-              </a:defRPr>
-            </a:lvl6pPr>
-            <a:lvl7pPr marL="2971800" indent="-228600" algn="ctr" eaLnBrk="0" fontAlgn="base" hangingPunct="0">
-              <a:spcBef>
-                <a:spcPct val="0"/>
-              </a:spcBef>
-              <a:spcAft>
-                <a:spcPct val="0"/>
-              </a:spcAft>
-              <a:defRPr>
-                <a:solidFill>
-                  <a:schemeClr val="tx1"/>
-                </a:solidFill>
-                <a:latin typeface="Garamond" pitchFamily="18" charset="0"/>
-              </a:defRPr>
-            </a:lvl7pPr>
-            <a:lvl8pPr marL="3429000" indent="-228600" algn="ctr" eaLnBrk="0" fontAlgn="base" hangingPunct="0">
-              <a:spcBef>
-                <a:spcPct val="0"/>
-              </a:spcBef>
-              <a:spcAft>
-                <a:spcPct val="0"/>
-              </a:spcAft>
-              <a:defRPr>
-                <a:solidFill>
-                  <a:schemeClr val="tx1"/>
-                </a:solidFill>
-                <a:latin typeface="Garamond" pitchFamily="18" charset="0"/>
-              </a:defRPr>
-            </a:lvl8pPr>
-            <a:lvl9pPr marL="3886200" indent="-228600" algn="ctr" eaLnBrk="0" fontAlgn="base" hangingPunct="0">
-              <a:spcBef>
-                <a:spcPct val="0"/>
-              </a:spcBef>
-              <a:spcAft>
-                <a:spcPct val="0"/>
-              </a:spcAft>
-              <a:defRPr>
-                <a:solidFill>
-                  <a:schemeClr val="tx1"/>
-                </a:solidFill>
-                <a:latin typeface="Garamond" pitchFamily="18" charset="0"/>
-              </a:defRPr>
-            </a:lvl9pPr>
-          </a:lstStyle>
-          <a:p>
-            <a:pPr marL="342900" indent="-342900" defTabSz="914400">
-              <a:spcBef>
-                <a:spcPts val="500"/>
-              </a:spcBef>
-              <a:spcAft>
-                <a:spcPts val="500"/>
-              </a:spcAft>
-              <a:buClr>
-                <a:srgbClr val="2F4489"/>
-              </a:buClr>
-              <a:buFont typeface="Wingdings" panose="05000000000000000000" pitchFamily="2" charset="2"/>
-              <a:buChar char="Ø"/>
-              <a:defRPr/>
-            </a:pPr>
-            <a:r>
-              <a:rPr lang="en-US" sz="2800" dirty="0">
-                <a:latin typeface="+mn-lt"/>
-              </a:rPr>
-              <a:t>Sepsis management is a major burden for healthcare systems in the United States, with over 750,000 cases annually and total costs nearing $20 billion. </a:t>
-            </a:r>
-            <a:endParaRPr lang="en-US" sz="2800" dirty="0">
-              <a:latin typeface="+mn-lt"/>
-              <a:cs typeface="Calibri" charset="0"/>
-            </a:endParaRPr>
-          </a:p>
-          <a:p>
-            <a:pPr marL="342900" indent="-342900" defTabSz="914400">
-              <a:spcBef>
-                <a:spcPts val="500"/>
-              </a:spcBef>
-              <a:spcAft>
-                <a:spcPts val="500"/>
-              </a:spcAft>
-              <a:buClr>
-                <a:srgbClr val="2F4489"/>
-              </a:buClr>
-              <a:buFont typeface="Wingdings" panose="05000000000000000000" pitchFamily="2" charset="2"/>
-              <a:buChar char="Ø"/>
-              <a:defRPr/>
-            </a:pPr>
-            <a:r>
-              <a:rPr lang="en-US" sz="2800" dirty="0">
-                <a:latin typeface="+mn-lt"/>
-              </a:rPr>
-              <a:t>Although sepsis clinical decision support (CDS) systems can provide clinicians with early predictions of suspected sepsis or resultant imminent clinical decline, such systems have not reliably demonstrated improvements in clinical outcomes or care processes. </a:t>
-            </a:r>
-          </a:p>
-          <a:p>
-            <a:pPr marL="342900" indent="-342900" defTabSz="914400">
-              <a:spcBef>
-                <a:spcPts val="500"/>
-              </a:spcBef>
-              <a:spcAft>
-                <a:spcPts val="500"/>
-              </a:spcAft>
-              <a:buClr>
-                <a:srgbClr val="2F4489"/>
-              </a:buClr>
-              <a:buFont typeface="Wingdings" panose="05000000000000000000" pitchFamily="2" charset="2"/>
-              <a:buChar char="Ø"/>
-              <a:defRPr/>
-            </a:pPr>
-            <a:r>
-              <a:rPr lang="en-US" sz="2800" dirty="0">
-                <a:latin typeface="+mn-lt"/>
-              </a:rPr>
-              <a:t>Growing evidence suggests that integrating sepsis CDS systems into clinical workflows, gaining the trust of clinicians, and making sepsis CDS systems clinically relevant at the bedside are all obstacles to successful deployment.</a:t>
-            </a:r>
-          </a:p>
-        </p:txBody>
-      </p:sp>
       <p:grpSp>
         <p:nvGrpSpPr>
-          <p:cNvPr id="70" name="Group 525">
-            <a:extLst>
-              <a:ext uri="{FF2B5EF4-FFF2-40B4-BE49-F238E27FC236}">
-                <a16:creationId xmlns:a16="http://schemas.microsoft.com/office/drawing/2014/main" id="{99919E89-0666-0345-B5B3-D7D2895FB3C9}"/>
-              </a:ext>
-            </a:extLst>
-          </p:cNvPr>
-          <p:cNvGrpSpPr>
-            <a:grpSpLocks/>
-          </p:cNvGrpSpPr>
+          <p:cNvPr id="6" name="Group 5"/>
+          <p:cNvGrpSpPr/>
           <p:nvPr/>
         </p:nvGrpSpPr>
-        <p:grpSpPr bwMode="auto">
+        <p:grpSpPr>
           <a:xfrm>
-            <a:off x="472891" y="7922499"/>
-            <a:ext cx="7067423" cy="687111"/>
-            <a:chOff x="416" y="2813"/>
-            <a:chExt cx="4093" cy="350"/>
+            <a:off x="472891" y="7660750"/>
+            <a:ext cx="7067423" cy="8506368"/>
+            <a:chOff x="472891" y="7922499"/>
+            <a:chExt cx="7067423" cy="8506368"/>
           </a:xfrm>
         </p:grpSpPr>
         <p:sp>
           <p:nvSpPr>
-            <p:cNvPr id="71" name="Text Box 45">
+            <p:cNvPr id="69" name="Text Box 46">
               <a:extLst>
                 <a:ext uri="{FF2B5EF4-FFF2-40B4-BE49-F238E27FC236}">
-                  <a16:creationId xmlns:a16="http://schemas.microsoft.com/office/drawing/2014/main" id="{1489BB31-52B4-334E-AEFA-9FE74CAD7092}"/>
+                  <a16:creationId xmlns:a16="http://schemas.microsoft.com/office/drawing/2014/main" id="{ACE7A059-C1A4-C54B-A461-6091B1B628FD}"/>
                 </a:ext>
               </a:extLst>
             </p:cNvPr>
@@ -5845,8 +5742,8 @@
           </p:nvSpPr>
           <p:spPr bwMode="auto">
             <a:xfrm>
-              <a:off x="416" y="2813"/>
-              <a:ext cx="1891" cy="302"/>
+              <a:off x="488431" y="8746967"/>
+              <a:ext cx="7020802" cy="7681900"/>
             </a:xfrm>
             <a:prstGeom prst="rect">
               <a:avLst/>
@@ -5880,7 +5777,7 @@
               <a:spAutoFit/>
             </a:bodyPr>
             <a:lstStyle>
-              <a:lvl1pPr>
+              <a:lvl1pPr marL="457200" indent="-457200">
                 <a:defRPr>
                   <a:solidFill>
                     <a:schemeClr val="tx1"/>
@@ -5978,78 +5875,321 @@
               </a:lvl9pPr>
             </a:lstStyle>
             <a:p>
-              <a:pPr defTabSz="997519">
-                <a:lnSpc>
-                  <a:spcPct val="110000"/>
-                </a:lnSpc>
+              <a:pPr marL="342900" indent="-342900" defTabSz="914400">
+                <a:spcBef>
+                  <a:spcPts val="500"/>
+                </a:spcBef>
+                <a:spcAft>
+                  <a:spcPts val="500"/>
+                </a:spcAft>
+                <a:buClr>
+                  <a:srgbClr val="2F4489"/>
+                </a:buClr>
+                <a:buFont typeface="Wingdings" panose="05000000000000000000" pitchFamily="2" charset="2"/>
+                <a:buChar char="Ø"/>
                 <a:defRPr/>
               </a:pPr>
               <a:r>
-                <a:rPr lang="en-US" sz="3055" b="1" kern="0" spc="300" dirty="0">
-                  <a:solidFill>
-                    <a:srgbClr val="011F5B"/>
-                  </a:solidFill>
+                <a:rPr lang="en-US" sz="2800" dirty="0">
                   <a:latin typeface="+mn-lt"/>
                 </a:rPr>
-                <a:t>Introduction</a:t>
+                <a:t>Sepsis management is a major burden for healthcare systems in the United States, with over 750,000 cases annually and total costs nearing $20 billion. </a:t>
+              </a:r>
+              <a:endParaRPr lang="en-US" sz="2800" dirty="0">
+                <a:latin typeface="+mn-lt"/>
+                <a:cs typeface="Calibri" charset="0"/>
+              </a:endParaRPr>
+            </a:p>
+            <a:p>
+              <a:pPr marL="342900" indent="-342900" defTabSz="914400">
+                <a:spcBef>
+                  <a:spcPts val="500"/>
+                </a:spcBef>
+                <a:spcAft>
+                  <a:spcPts val="500"/>
+                </a:spcAft>
+                <a:buClr>
+                  <a:srgbClr val="2F4489"/>
+                </a:buClr>
+                <a:buFont typeface="Wingdings" panose="05000000000000000000" pitchFamily="2" charset="2"/>
+                <a:buChar char="Ø"/>
+                <a:defRPr/>
+              </a:pPr>
+              <a:r>
+                <a:rPr lang="en-US" sz="2800" dirty="0">
+                  <a:latin typeface="+mn-lt"/>
+                </a:rPr>
+                <a:t>Although sepsis clinical decision support (CDS) systems can provide clinicians with early predictions of suspected sepsis or resultant imminent clinical decline, such systems have not reliably demonstrated improvements in clinical outcomes or care processes. </a:t>
+              </a:r>
+            </a:p>
+            <a:p>
+              <a:pPr marL="342900" indent="-342900" defTabSz="914400">
+                <a:spcBef>
+                  <a:spcPts val="500"/>
+                </a:spcBef>
+                <a:spcAft>
+                  <a:spcPts val="500"/>
+                </a:spcAft>
+                <a:buClr>
+                  <a:srgbClr val="2F4489"/>
+                </a:buClr>
+                <a:buFont typeface="Wingdings" panose="05000000000000000000" pitchFamily="2" charset="2"/>
+                <a:buChar char="Ø"/>
+                <a:defRPr/>
+              </a:pPr>
+              <a:r>
+                <a:rPr lang="en-US" sz="2800" dirty="0">
+                  <a:latin typeface="+mn-lt"/>
+                </a:rPr>
+                <a:t>Growing evidence suggests that integrating sepsis CDS systems into clinical workflows, gaining the trust of clinicians, and making sepsis CDS systems clinically relevant at the bedside are all obstacles to successful deployment.</a:t>
               </a:r>
             </a:p>
           </p:txBody>
         </p:sp>
-        <p:sp>
-          <p:nvSpPr>
-            <p:cNvPr id="72" name="Line 509">
+        <p:grpSp>
+          <p:nvGrpSpPr>
+            <p:cNvPr id="70" name="Group 525">
               <a:extLst>
                 <a:ext uri="{FF2B5EF4-FFF2-40B4-BE49-F238E27FC236}">
-                  <a16:creationId xmlns:a16="http://schemas.microsoft.com/office/drawing/2014/main" id="{21781144-D32B-5642-B9C8-793AB5A4182A}"/>
+                  <a16:creationId xmlns:a16="http://schemas.microsoft.com/office/drawing/2014/main" id="{99919E89-0666-0345-B5B3-D7D2895FB3C9}"/>
                 </a:ext>
               </a:extLst>
             </p:cNvPr>
-            <p:cNvSpPr>
-              <a:spLocks noChangeShapeType="1"/>
-            </p:cNvSpPr>
+            <p:cNvGrpSpPr>
+              <a:grpSpLocks/>
+            </p:cNvGrpSpPr>
             <p:nvPr/>
-          </p:nvSpPr>
-          <p:spPr bwMode="auto">
+          </p:nvGrpSpPr>
+          <p:grpSpPr bwMode="auto">
             <a:xfrm>
-              <a:off x="478" y="3163"/>
-              <a:ext cx="4031" cy="0"/>
+              <a:off x="472891" y="7922499"/>
+              <a:ext cx="7067423" cy="687111"/>
+              <a:chOff x="416" y="2813"/>
+              <a:chExt cx="4093" cy="350"/>
             </a:xfrm>
-            <a:prstGeom prst="line">
-              <a:avLst/>
-            </a:prstGeom>
-            <a:noFill/>
-            <a:ln w="57150">
-              <a:solidFill>
-                <a:srgbClr val="808080"/>
-              </a:solidFill>
-              <a:round/>
-              <a:headEnd/>
-              <a:tailEnd/>
-            </a:ln>
-            <a:extLst>
-              <a:ext uri="{909E8E84-426E-40DD-AFC4-6F175D3DCCD1}">
-                <a14:hiddenFill xmlns:a14="http://schemas.microsoft.com/office/drawing/2010/main">
-                  <a:noFill/>
-                </a14:hiddenFill>
-              </a:ext>
-            </a:extLst>
-          </p:spPr>
-          <p:txBody>
-            <a:bodyPr wrap="none" anchor="ctr"/>
-            <a:lstStyle/>
-            <a:p>
-              <a:pPr defTabSz="997519">
-                <a:defRPr/>
-              </a:pPr>
-              <a:endParaRPr lang="en-US" sz="1964" kern="0">
+          </p:grpSpPr>
+          <p:sp>
+            <p:nvSpPr>
+              <p:cNvPr id="71" name="Text Box 45">
+                <a:extLst>
+                  <a:ext uri="{FF2B5EF4-FFF2-40B4-BE49-F238E27FC236}">
+                    <a16:creationId xmlns:a16="http://schemas.microsoft.com/office/drawing/2014/main" id="{1489BB31-52B4-334E-AEFA-9FE74CAD7092}"/>
+                  </a:ext>
+                </a:extLst>
+              </p:cNvPr>
+              <p:cNvSpPr txBox="1">
+                <a:spLocks noChangeArrowheads="1"/>
+              </p:cNvSpPr>
+              <p:nvPr/>
+            </p:nvSpPr>
+            <p:spPr bwMode="auto">
+              <a:xfrm>
+                <a:off x="416" y="2813"/>
+                <a:ext cx="1891" cy="302"/>
+              </a:xfrm>
+              <a:prstGeom prst="rect">
+                <a:avLst/>
+              </a:prstGeom>
+              <a:noFill/>
+              <a:ln>
+                <a:noFill/>
+              </a:ln>
+              <a:extLst>
+                <a:ext uri="{909E8E84-426E-40DD-AFC4-6F175D3DCCD1}">
+                  <a14:hiddenFill xmlns:a14="http://schemas.microsoft.com/office/drawing/2010/main">
+                    <a:solidFill>
+                      <a:srgbClr val="FFFFFF"/>
+                    </a:solidFill>
+                  </a14:hiddenFill>
+                </a:ext>
+                <a:ext uri="{91240B29-F687-4F45-9708-019B960494DF}">
+                  <a14:hiddenLine xmlns:a14="http://schemas.microsoft.com/office/drawing/2010/main" w="9525">
+                    <a:solidFill>
+                      <a:srgbClr val="000000"/>
+                    </a:solidFill>
+                    <a:miter lim="800000"/>
+                    <a:headEnd/>
+                    <a:tailEnd/>
+                  </a14:hiddenLine>
+                </a:ext>
+              </a:extLst>
+            </p:spPr>
+            <p:txBody>
+              <a:bodyPr lIns="99686" tIns="49841" rIns="99686" bIns="49841">
+                <a:spAutoFit/>
+              </a:bodyPr>
+              <a:lstStyle>
+                <a:lvl1pPr>
+                  <a:defRPr>
+                    <a:solidFill>
+                      <a:schemeClr val="tx1"/>
+                    </a:solidFill>
+                    <a:latin typeface="Garamond" pitchFamily="18" charset="0"/>
+                  </a:defRPr>
+                </a:lvl1pPr>
+                <a:lvl2pPr marL="742950" indent="-285750">
+                  <a:defRPr>
+                    <a:solidFill>
+                      <a:schemeClr val="tx1"/>
+                    </a:solidFill>
+                    <a:latin typeface="Garamond" pitchFamily="18" charset="0"/>
+                  </a:defRPr>
+                </a:lvl2pPr>
+                <a:lvl3pPr marL="1143000" indent="-228600">
+                  <a:defRPr>
+                    <a:solidFill>
+                      <a:schemeClr val="tx1"/>
+                    </a:solidFill>
+                    <a:latin typeface="Garamond" pitchFamily="18" charset="0"/>
+                  </a:defRPr>
+                </a:lvl3pPr>
+                <a:lvl4pPr marL="1600200" indent="-228600">
+                  <a:defRPr>
+                    <a:solidFill>
+                      <a:schemeClr val="tx1"/>
+                    </a:solidFill>
+                    <a:latin typeface="Garamond" pitchFamily="18" charset="0"/>
+                  </a:defRPr>
+                </a:lvl4pPr>
+                <a:lvl5pPr marL="2057400" indent="-228600">
+                  <a:defRPr>
+                    <a:solidFill>
+                      <a:schemeClr val="tx1"/>
+                    </a:solidFill>
+                    <a:latin typeface="Garamond" pitchFamily="18" charset="0"/>
+                  </a:defRPr>
+                </a:lvl5pPr>
+                <a:lvl6pPr marL="2514600" indent="-228600" algn="ctr" eaLnBrk="0" fontAlgn="base" hangingPunct="0">
+                  <a:spcBef>
+                    <a:spcPct val="0"/>
+                  </a:spcBef>
+                  <a:spcAft>
+                    <a:spcPct val="0"/>
+                  </a:spcAft>
+                  <a:defRPr>
+                    <a:solidFill>
+                      <a:schemeClr val="tx1"/>
+                    </a:solidFill>
+                    <a:latin typeface="Garamond" pitchFamily="18" charset="0"/>
+                  </a:defRPr>
+                </a:lvl6pPr>
+                <a:lvl7pPr marL="2971800" indent="-228600" algn="ctr" eaLnBrk="0" fontAlgn="base" hangingPunct="0">
+                  <a:spcBef>
+                    <a:spcPct val="0"/>
+                  </a:spcBef>
+                  <a:spcAft>
+                    <a:spcPct val="0"/>
+                  </a:spcAft>
+                  <a:defRPr>
+                    <a:solidFill>
+                      <a:schemeClr val="tx1"/>
+                    </a:solidFill>
+                    <a:latin typeface="Garamond" pitchFamily="18" charset="0"/>
+                  </a:defRPr>
+                </a:lvl7pPr>
+                <a:lvl8pPr marL="3429000" indent="-228600" algn="ctr" eaLnBrk="0" fontAlgn="base" hangingPunct="0">
+                  <a:spcBef>
+                    <a:spcPct val="0"/>
+                  </a:spcBef>
+                  <a:spcAft>
+                    <a:spcPct val="0"/>
+                  </a:spcAft>
+                  <a:defRPr>
+                    <a:solidFill>
+                      <a:schemeClr val="tx1"/>
+                    </a:solidFill>
+                    <a:latin typeface="Garamond" pitchFamily="18" charset="0"/>
+                  </a:defRPr>
+                </a:lvl8pPr>
+                <a:lvl9pPr marL="3886200" indent="-228600" algn="ctr" eaLnBrk="0" fontAlgn="base" hangingPunct="0">
+                  <a:spcBef>
+                    <a:spcPct val="0"/>
+                  </a:spcBef>
+                  <a:spcAft>
+                    <a:spcPct val="0"/>
+                  </a:spcAft>
+                  <a:defRPr>
+                    <a:solidFill>
+                      <a:schemeClr val="tx1"/>
+                    </a:solidFill>
+                    <a:latin typeface="Garamond" pitchFamily="18" charset="0"/>
+                  </a:defRPr>
+                </a:lvl9pPr>
+              </a:lstStyle>
+              <a:p>
+                <a:pPr defTabSz="997519">
+                  <a:lnSpc>
+                    <a:spcPct val="110000"/>
+                  </a:lnSpc>
+                  <a:defRPr/>
+                </a:pPr>
+                <a:r>
+                  <a:rPr lang="en-US" sz="3055" b="1" kern="0" spc="300" dirty="0">
+                    <a:solidFill>
+                      <a:srgbClr val="011F5B"/>
+                    </a:solidFill>
+                    <a:latin typeface="+mn-lt"/>
+                  </a:rPr>
+                  <a:t>Introduction</a:t>
+                </a:r>
+              </a:p>
+            </p:txBody>
+          </p:sp>
+          <p:sp>
+            <p:nvSpPr>
+              <p:cNvPr id="72" name="Line 509">
+                <a:extLst>
+                  <a:ext uri="{FF2B5EF4-FFF2-40B4-BE49-F238E27FC236}">
+                    <a16:creationId xmlns:a16="http://schemas.microsoft.com/office/drawing/2014/main" id="{21781144-D32B-5642-B9C8-793AB5A4182A}"/>
+                  </a:ext>
+                </a:extLst>
+              </p:cNvPr>
+              <p:cNvSpPr>
+                <a:spLocks noChangeShapeType="1"/>
+              </p:cNvSpPr>
+              <p:nvPr/>
+            </p:nvSpPr>
+            <p:spPr bwMode="auto">
+              <a:xfrm>
+                <a:off x="478" y="3163"/>
+                <a:ext cx="4031" cy="0"/>
+              </a:xfrm>
+              <a:prstGeom prst="line">
+                <a:avLst/>
+              </a:prstGeom>
+              <a:noFill/>
+              <a:ln w="57150">
                 <a:solidFill>
-                  <a:sysClr val="windowText" lastClr="000000"/>
+                  <a:srgbClr val="808080"/>
                 </a:solidFill>
-              </a:endParaRPr>
-            </a:p>
-          </p:txBody>
-        </p:sp>
+                <a:round/>
+                <a:headEnd/>
+                <a:tailEnd/>
+              </a:ln>
+              <a:extLst>
+                <a:ext uri="{909E8E84-426E-40DD-AFC4-6F175D3DCCD1}">
+                  <a14:hiddenFill xmlns:a14="http://schemas.microsoft.com/office/drawing/2010/main">
+                    <a:noFill/>
+                  </a14:hiddenFill>
+                </a:ext>
+              </a:extLst>
+            </p:spPr>
+            <p:txBody>
+              <a:bodyPr wrap="none" anchor="ctr"/>
+              <a:lstStyle/>
+              <a:p>
+                <a:pPr defTabSz="997519">
+                  <a:defRPr/>
+                </a:pPr>
+                <a:endParaRPr lang="en-US" sz="1964" kern="0">
+                  <a:solidFill>
+                    <a:sysClr val="windowText" lastClr="000000"/>
+                  </a:solidFill>
+                </a:endParaRPr>
+              </a:p>
+            </p:txBody>
+          </p:sp>
+        </p:grpSp>
       </p:grpSp>
       <p:grpSp>
         <p:nvGrpSpPr>
@@ -6059,7 +6199,7 @@
         </p:nvGrpSpPr>
         <p:grpSpPr>
           <a:xfrm>
-            <a:off x="25040535" y="18158949"/>
+            <a:off x="34747200" y="15988032"/>
             <a:ext cx="7225121" cy="3799540"/>
             <a:chOff x="25040535" y="18158949"/>
             <a:chExt cx="7225121" cy="3799540"/>
@@ -6451,6 +6591,92 @@
           </p:sp>
         </p:grpSp>
       </p:grpSp>
+      <p:sp>
+        <p:nvSpPr>
+          <p:cNvPr id="4" name="Rectangle 3"/>
+          <p:cNvSpPr/>
+          <p:nvPr/>
+        </p:nvSpPr>
+        <p:spPr>
+          <a:xfrm>
+            <a:off x="13828124" y="12309289"/>
+            <a:ext cx="5181600" cy="4876800"/>
+          </a:xfrm>
+          <a:prstGeom prst="rect">
+            <a:avLst/>
+          </a:prstGeom>
+          <a:solidFill>
+            <a:schemeClr val="bg1"/>
+          </a:solidFill>
+        </p:spPr>
+        <p:style>
+          <a:lnRef idx="2">
+            <a:schemeClr val="accent1">
+              <a:shade val="50000"/>
+            </a:schemeClr>
+          </a:lnRef>
+          <a:fillRef idx="1">
+            <a:schemeClr val="accent1"/>
+          </a:fillRef>
+          <a:effectRef idx="0">
+            <a:schemeClr val="accent1"/>
+          </a:effectRef>
+          <a:fontRef idx="minor">
+            <a:schemeClr val="lt1"/>
+          </a:fontRef>
+        </p:style>
+        <p:txBody>
+          <a:bodyPr rtlCol="0" anchor="ctr"/>
+          <a:lstStyle/>
+          <a:p>
+            <a:pPr algn="ctr"/>
+            <a:endParaRPr lang="en-US">
+              <a:solidFill>
+                <a:schemeClr val="bg1"/>
+              </a:solidFill>
+            </a:endParaRPr>
+          </a:p>
+        </p:txBody>
+      </p:sp>
+      <p:sp>
+        <p:nvSpPr>
+          <p:cNvPr id="5" name="TextBox 4"/>
+          <p:cNvSpPr txBox="1"/>
+          <p:nvPr/>
+        </p:nvSpPr>
+        <p:spPr>
+          <a:xfrm>
+            <a:off x="11237611" y="18400339"/>
+            <a:ext cx="10362625" cy="1077218"/>
+          </a:xfrm>
+          <a:prstGeom prst="rect">
+            <a:avLst/>
+          </a:prstGeom>
+          <a:noFill/>
+        </p:spPr>
+        <p:txBody>
+          <a:bodyPr wrap="square" rtlCol="0">
+            <a:spAutoFit/>
+          </a:bodyPr>
+          <a:lstStyle/>
+          <a:p>
+            <a:pPr algn="ctr"/>
+            <a:r>
+              <a:rPr lang="en-US" sz="3200" dirty="0" smtClean="0">
+                <a:solidFill>
+                  <a:schemeClr val="bg1"/>
+                </a:solidFill>
+              </a:rPr>
+              <a:t>Use the QR code above to view the interview guide, themes table, and relevant quotes to each of our themes </a:t>
+            </a:r>
+            <a:endParaRPr lang="en-US" sz="3200" dirty="0">
+              <a:solidFill>
+                <a:schemeClr val="bg1"/>
+              </a:solidFill>
+            </a:endParaRPr>
+          </a:p>
+        </p:txBody>
+      </p:sp>
     </p:spTree>
   </p:cSld>
   <p:clrMapOvr>
